--- a/ppt 16-9/0528.主在你心外扣.pptx
+++ b/ppt 16-9/0528.主在你心外扣.pptx
@@ -5,7 +5,7 @@
     <p:sldMasterId id="2147483648" r:id="rId1"/>
   </p:sldMasterIdLst>
   <p:sldIdLst>
-    <p:sldId id="2266" r:id="rId2"/>
+    <p:sldId id="2268" r:id="rId2"/>
   </p:sldIdLst>
   <p:sldSz cx="12192000" cy="6858000"/>
   <p:notesSz cx="6858000" cy="9144000"/>
@@ -129,7 +129,7 @@
           <p:cNvPr id="2" name="标题 1">
             <a:extLst>
               <a:ext uri="{FF2B5EF4-FFF2-40B4-BE49-F238E27FC236}">
-                <a16:creationId xmlns:a16="http://schemas.microsoft.com/office/drawing/2014/main" id="{4FF6C0F3-C5A6-7C8A-FF80-6421A24B8E89}"/>
+                <a16:creationId xmlns:a16="http://schemas.microsoft.com/office/drawing/2014/main" id="{D1173F05-1EA9-FEE6-4B3A-32087E90E758}"/>
               </a:ext>
             </a:extLst>
           </p:cNvPr>
@@ -166,7 +166,7 @@
           <p:cNvPr id="3" name="副标题 2">
             <a:extLst>
               <a:ext uri="{FF2B5EF4-FFF2-40B4-BE49-F238E27FC236}">
-                <a16:creationId xmlns:a16="http://schemas.microsoft.com/office/drawing/2014/main" id="{96963097-F564-9695-A8C9-9F31F4C3F06E}"/>
+                <a16:creationId xmlns:a16="http://schemas.microsoft.com/office/drawing/2014/main" id="{7F376D8C-47FB-2188-5DE3-C66EA4C95B6C}"/>
               </a:ext>
             </a:extLst>
           </p:cNvPr>
@@ -236,7 +236,7 @@
           <p:cNvPr id="4" name="日期占位符 3">
             <a:extLst>
               <a:ext uri="{FF2B5EF4-FFF2-40B4-BE49-F238E27FC236}">
-                <a16:creationId xmlns:a16="http://schemas.microsoft.com/office/drawing/2014/main" id="{99B10A7F-F13D-E718-540D-D5102F2C8830}"/>
+                <a16:creationId xmlns:a16="http://schemas.microsoft.com/office/drawing/2014/main" id="{26B86119-DB93-F8CB-BE88-8933ACB13C46}"/>
               </a:ext>
             </a:extLst>
           </p:cNvPr>
@@ -252,7 +252,7 @@
           <a:bodyPr/>
           <a:lstStyle/>
           <a:p>
-            <a:fld id="{CDB68AF0-995A-477B-90B4-7D17E763F29B}" type="datetimeFigureOut">
+            <a:fld id="{6EB9827E-A218-4213-8252-430107CA8D04}" type="datetimeFigureOut">
               <a:rPr lang="zh-CN" altLang="en-US" smtClean="0"/>
               <a:t>2024/3/10</a:t>
             </a:fld>
@@ -265,7 +265,7 @@
           <p:cNvPr id="5" name="页脚占位符 4">
             <a:extLst>
               <a:ext uri="{FF2B5EF4-FFF2-40B4-BE49-F238E27FC236}">
-                <a16:creationId xmlns:a16="http://schemas.microsoft.com/office/drawing/2014/main" id="{6F2502E9-A618-A89B-CEF2-3B0DAD7EB1BB}"/>
+                <a16:creationId xmlns:a16="http://schemas.microsoft.com/office/drawing/2014/main" id="{41A0730C-B34B-32D5-6864-B95D47654AD2}"/>
               </a:ext>
             </a:extLst>
           </p:cNvPr>
@@ -290,7 +290,7 @@
           <p:cNvPr id="6" name="灯片编号占位符 5">
             <a:extLst>
               <a:ext uri="{FF2B5EF4-FFF2-40B4-BE49-F238E27FC236}">
-                <a16:creationId xmlns:a16="http://schemas.microsoft.com/office/drawing/2014/main" id="{174BB4D6-E6D7-9330-14D5-007A97086C16}"/>
+                <a16:creationId xmlns:a16="http://schemas.microsoft.com/office/drawing/2014/main" id="{8E72A2B7-6A77-6B59-EA99-023DFDEB7310}"/>
               </a:ext>
             </a:extLst>
           </p:cNvPr>
@@ -306,7 +306,7 @@
           <a:bodyPr/>
           <a:lstStyle/>
           <a:p>
-            <a:fld id="{32ED19B0-9028-47E8-8C92-5D23C6ABA781}" type="slidenum">
+            <a:fld id="{E3D9FE0E-F77D-4CD8-A3CF-4DED79A8E053}" type="slidenum">
               <a:rPr lang="zh-CN" altLang="en-US" smtClean="0"/>
               <a:t>‹#›</a:t>
             </a:fld>
@@ -317,7 +317,7 @@
     </p:spTree>
     <p:extLst>
       <p:ext uri="{BB962C8B-B14F-4D97-AF65-F5344CB8AC3E}">
-        <p14:creationId xmlns:p14="http://schemas.microsoft.com/office/powerpoint/2010/main" val="3299744671"/>
+        <p14:creationId xmlns:p14="http://schemas.microsoft.com/office/powerpoint/2010/main" val="2666944822"/>
       </p:ext>
     </p:extLst>
   </p:cSld>
@@ -349,7 +349,7 @@
           <p:cNvPr id="2" name="标题 1">
             <a:extLst>
               <a:ext uri="{FF2B5EF4-FFF2-40B4-BE49-F238E27FC236}">
-                <a16:creationId xmlns:a16="http://schemas.microsoft.com/office/drawing/2014/main" id="{76DFF309-DBA2-9128-1810-FC10ECDA6EC7}"/>
+                <a16:creationId xmlns:a16="http://schemas.microsoft.com/office/drawing/2014/main" id="{7A5AFD93-6A4B-608E-4932-0230DA1E9891}"/>
               </a:ext>
             </a:extLst>
           </p:cNvPr>
@@ -377,7 +377,7 @@
           <p:cNvPr id="3" name="竖排文字占位符 2">
             <a:extLst>
               <a:ext uri="{FF2B5EF4-FFF2-40B4-BE49-F238E27FC236}">
-                <a16:creationId xmlns:a16="http://schemas.microsoft.com/office/drawing/2014/main" id="{D8513A4A-3787-FBD3-9A74-926E0E79B487}"/>
+                <a16:creationId xmlns:a16="http://schemas.microsoft.com/office/drawing/2014/main" id="{C6B9E842-DA5A-470D-0C73-F29C6CDE5DD4}"/>
               </a:ext>
             </a:extLst>
           </p:cNvPr>
@@ -434,7 +434,7 @@
           <p:cNvPr id="4" name="日期占位符 3">
             <a:extLst>
               <a:ext uri="{FF2B5EF4-FFF2-40B4-BE49-F238E27FC236}">
-                <a16:creationId xmlns:a16="http://schemas.microsoft.com/office/drawing/2014/main" id="{19DDA816-CF2E-9B64-1DB6-F9C9A6136DE5}"/>
+                <a16:creationId xmlns:a16="http://schemas.microsoft.com/office/drawing/2014/main" id="{AF6E4A8A-A808-13CA-E49A-C050C9D49034}"/>
               </a:ext>
             </a:extLst>
           </p:cNvPr>
@@ -450,7 +450,7 @@
           <a:bodyPr/>
           <a:lstStyle/>
           <a:p>
-            <a:fld id="{CDB68AF0-995A-477B-90B4-7D17E763F29B}" type="datetimeFigureOut">
+            <a:fld id="{6EB9827E-A218-4213-8252-430107CA8D04}" type="datetimeFigureOut">
               <a:rPr lang="zh-CN" altLang="en-US" smtClean="0"/>
               <a:t>2024/3/10</a:t>
             </a:fld>
@@ -463,7 +463,7 @@
           <p:cNvPr id="5" name="页脚占位符 4">
             <a:extLst>
               <a:ext uri="{FF2B5EF4-FFF2-40B4-BE49-F238E27FC236}">
-                <a16:creationId xmlns:a16="http://schemas.microsoft.com/office/drawing/2014/main" id="{7C26E9D4-395B-EC20-039F-DADBA67D0C0F}"/>
+                <a16:creationId xmlns:a16="http://schemas.microsoft.com/office/drawing/2014/main" id="{0B0B1146-A578-55CC-FCFD-F8A145246031}"/>
               </a:ext>
             </a:extLst>
           </p:cNvPr>
@@ -488,7 +488,7 @@
           <p:cNvPr id="6" name="灯片编号占位符 5">
             <a:extLst>
               <a:ext uri="{FF2B5EF4-FFF2-40B4-BE49-F238E27FC236}">
-                <a16:creationId xmlns:a16="http://schemas.microsoft.com/office/drawing/2014/main" id="{B0EB66A6-A6F0-DD75-2B3D-B9FAC2CBDFE8}"/>
+                <a16:creationId xmlns:a16="http://schemas.microsoft.com/office/drawing/2014/main" id="{29184453-7C8C-5356-5A04-D3CA0F24A804}"/>
               </a:ext>
             </a:extLst>
           </p:cNvPr>
@@ -504,7 +504,7 @@
           <a:bodyPr/>
           <a:lstStyle/>
           <a:p>
-            <a:fld id="{32ED19B0-9028-47E8-8C92-5D23C6ABA781}" type="slidenum">
+            <a:fld id="{E3D9FE0E-F77D-4CD8-A3CF-4DED79A8E053}" type="slidenum">
               <a:rPr lang="zh-CN" altLang="en-US" smtClean="0"/>
               <a:t>‹#›</a:t>
             </a:fld>
@@ -515,7 +515,7 @@
     </p:spTree>
     <p:extLst>
       <p:ext uri="{BB962C8B-B14F-4D97-AF65-F5344CB8AC3E}">
-        <p14:creationId xmlns:p14="http://schemas.microsoft.com/office/powerpoint/2010/main" val="1858938734"/>
+        <p14:creationId xmlns:p14="http://schemas.microsoft.com/office/powerpoint/2010/main" val="3165690758"/>
       </p:ext>
     </p:extLst>
   </p:cSld>
@@ -547,7 +547,7 @@
           <p:cNvPr id="2" name="竖排标题 1">
             <a:extLst>
               <a:ext uri="{FF2B5EF4-FFF2-40B4-BE49-F238E27FC236}">
-                <a16:creationId xmlns:a16="http://schemas.microsoft.com/office/drawing/2014/main" id="{CE82769F-B793-F899-9808-F57B81394A07}"/>
+                <a16:creationId xmlns:a16="http://schemas.microsoft.com/office/drawing/2014/main" id="{9BAB54D3-F1EA-1A87-F169-6971DF139822}"/>
               </a:ext>
             </a:extLst>
           </p:cNvPr>
@@ -580,7 +580,7 @@
           <p:cNvPr id="3" name="竖排文字占位符 2">
             <a:extLst>
               <a:ext uri="{FF2B5EF4-FFF2-40B4-BE49-F238E27FC236}">
-                <a16:creationId xmlns:a16="http://schemas.microsoft.com/office/drawing/2014/main" id="{969FA3B0-9EA0-F846-F746-BB7676A81CF1}"/>
+                <a16:creationId xmlns:a16="http://schemas.microsoft.com/office/drawing/2014/main" id="{34C73670-7C22-C45A-9408-04D5788ECD91}"/>
               </a:ext>
             </a:extLst>
           </p:cNvPr>
@@ -642,7 +642,7 @@
           <p:cNvPr id="4" name="日期占位符 3">
             <a:extLst>
               <a:ext uri="{FF2B5EF4-FFF2-40B4-BE49-F238E27FC236}">
-                <a16:creationId xmlns:a16="http://schemas.microsoft.com/office/drawing/2014/main" id="{1F1AA015-B52E-5A37-6E94-03F5B6346EC5}"/>
+                <a16:creationId xmlns:a16="http://schemas.microsoft.com/office/drawing/2014/main" id="{9FE0CC2F-39AE-C980-6C17-8D63D44D6FFB}"/>
               </a:ext>
             </a:extLst>
           </p:cNvPr>
@@ -658,7 +658,7 @@
           <a:bodyPr/>
           <a:lstStyle/>
           <a:p>
-            <a:fld id="{CDB68AF0-995A-477B-90B4-7D17E763F29B}" type="datetimeFigureOut">
+            <a:fld id="{6EB9827E-A218-4213-8252-430107CA8D04}" type="datetimeFigureOut">
               <a:rPr lang="zh-CN" altLang="en-US" smtClean="0"/>
               <a:t>2024/3/10</a:t>
             </a:fld>
@@ -671,7 +671,7 @@
           <p:cNvPr id="5" name="页脚占位符 4">
             <a:extLst>
               <a:ext uri="{FF2B5EF4-FFF2-40B4-BE49-F238E27FC236}">
-                <a16:creationId xmlns:a16="http://schemas.microsoft.com/office/drawing/2014/main" id="{FB2858AA-A932-4003-C99A-658D3F112218}"/>
+                <a16:creationId xmlns:a16="http://schemas.microsoft.com/office/drawing/2014/main" id="{52D525F9-04E3-FDA9-81DF-9E86BB200EE5}"/>
               </a:ext>
             </a:extLst>
           </p:cNvPr>
@@ -696,7 +696,7 @@
           <p:cNvPr id="6" name="灯片编号占位符 5">
             <a:extLst>
               <a:ext uri="{FF2B5EF4-FFF2-40B4-BE49-F238E27FC236}">
-                <a16:creationId xmlns:a16="http://schemas.microsoft.com/office/drawing/2014/main" id="{98E9DF71-0711-3100-2DA2-AA522ABE51F3}"/>
+                <a16:creationId xmlns:a16="http://schemas.microsoft.com/office/drawing/2014/main" id="{5AC5C638-E496-B04A-D5D2-5682E7D8765F}"/>
               </a:ext>
             </a:extLst>
           </p:cNvPr>
@@ -712,7 +712,7 @@
           <a:bodyPr/>
           <a:lstStyle/>
           <a:p>
-            <a:fld id="{32ED19B0-9028-47E8-8C92-5D23C6ABA781}" type="slidenum">
+            <a:fld id="{E3D9FE0E-F77D-4CD8-A3CF-4DED79A8E053}" type="slidenum">
               <a:rPr lang="zh-CN" altLang="en-US" smtClean="0"/>
               <a:t>‹#›</a:t>
             </a:fld>
@@ -723,7 +723,7 @@
     </p:spTree>
     <p:extLst>
       <p:ext uri="{BB962C8B-B14F-4D97-AF65-F5344CB8AC3E}">
-        <p14:creationId xmlns:p14="http://schemas.microsoft.com/office/powerpoint/2010/main" val="2607216831"/>
+        <p14:creationId xmlns:p14="http://schemas.microsoft.com/office/powerpoint/2010/main" val="2865848753"/>
       </p:ext>
     </p:extLst>
   </p:cSld>
@@ -755,7 +755,7 @@
           <p:cNvPr id="2" name="标题 1">
             <a:extLst>
               <a:ext uri="{FF2B5EF4-FFF2-40B4-BE49-F238E27FC236}">
-                <a16:creationId xmlns:a16="http://schemas.microsoft.com/office/drawing/2014/main" id="{F4030134-81FC-D33E-4AFF-CDE869D057CE}"/>
+                <a16:creationId xmlns:a16="http://schemas.microsoft.com/office/drawing/2014/main" id="{2779F4C3-C9E5-C9B3-744D-81830A3E5F16}"/>
               </a:ext>
             </a:extLst>
           </p:cNvPr>
@@ -783,7 +783,7 @@
           <p:cNvPr id="3" name="内容占位符 2">
             <a:extLst>
               <a:ext uri="{FF2B5EF4-FFF2-40B4-BE49-F238E27FC236}">
-                <a16:creationId xmlns:a16="http://schemas.microsoft.com/office/drawing/2014/main" id="{2280E43C-E9ED-5D58-F6A4-24ECBFDCFC4E}"/>
+                <a16:creationId xmlns:a16="http://schemas.microsoft.com/office/drawing/2014/main" id="{E09DF210-6838-D664-2844-4908BE5BC9F7}"/>
               </a:ext>
             </a:extLst>
           </p:cNvPr>
@@ -840,7 +840,7 @@
           <p:cNvPr id="4" name="日期占位符 3">
             <a:extLst>
               <a:ext uri="{FF2B5EF4-FFF2-40B4-BE49-F238E27FC236}">
-                <a16:creationId xmlns:a16="http://schemas.microsoft.com/office/drawing/2014/main" id="{C33CB201-28B7-7C27-D433-7636E87B6C71}"/>
+                <a16:creationId xmlns:a16="http://schemas.microsoft.com/office/drawing/2014/main" id="{268838C0-9D72-58F5-127C-5A2DC9630ACA}"/>
               </a:ext>
             </a:extLst>
           </p:cNvPr>
@@ -856,7 +856,7 @@
           <a:bodyPr/>
           <a:lstStyle/>
           <a:p>
-            <a:fld id="{CDB68AF0-995A-477B-90B4-7D17E763F29B}" type="datetimeFigureOut">
+            <a:fld id="{6EB9827E-A218-4213-8252-430107CA8D04}" type="datetimeFigureOut">
               <a:rPr lang="zh-CN" altLang="en-US" smtClean="0"/>
               <a:t>2024/3/10</a:t>
             </a:fld>
@@ -869,7 +869,7 @@
           <p:cNvPr id="5" name="页脚占位符 4">
             <a:extLst>
               <a:ext uri="{FF2B5EF4-FFF2-40B4-BE49-F238E27FC236}">
-                <a16:creationId xmlns:a16="http://schemas.microsoft.com/office/drawing/2014/main" id="{6A7DC284-0C1B-D99D-889C-D5B48C3D1A6F}"/>
+                <a16:creationId xmlns:a16="http://schemas.microsoft.com/office/drawing/2014/main" id="{27EEC04D-A67E-9BC2-1FC4-7D93751095AE}"/>
               </a:ext>
             </a:extLst>
           </p:cNvPr>
@@ -894,7 +894,7 @@
           <p:cNvPr id="6" name="灯片编号占位符 5">
             <a:extLst>
               <a:ext uri="{FF2B5EF4-FFF2-40B4-BE49-F238E27FC236}">
-                <a16:creationId xmlns:a16="http://schemas.microsoft.com/office/drawing/2014/main" id="{781A7E16-D21D-EED1-8B9D-F410472BB9C0}"/>
+                <a16:creationId xmlns:a16="http://schemas.microsoft.com/office/drawing/2014/main" id="{68AA163F-21FD-0827-D264-2E5BBEC358AD}"/>
               </a:ext>
             </a:extLst>
           </p:cNvPr>
@@ -910,7 +910,7 @@
           <a:bodyPr/>
           <a:lstStyle/>
           <a:p>
-            <a:fld id="{32ED19B0-9028-47E8-8C92-5D23C6ABA781}" type="slidenum">
+            <a:fld id="{E3D9FE0E-F77D-4CD8-A3CF-4DED79A8E053}" type="slidenum">
               <a:rPr lang="zh-CN" altLang="en-US" smtClean="0"/>
               <a:t>‹#›</a:t>
             </a:fld>
@@ -921,7 +921,7 @@
     </p:spTree>
     <p:extLst>
       <p:ext uri="{BB962C8B-B14F-4D97-AF65-F5344CB8AC3E}">
-        <p14:creationId xmlns:p14="http://schemas.microsoft.com/office/powerpoint/2010/main" val="1099890537"/>
+        <p14:creationId xmlns:p14="http://schemas.microsoft.com/office/powerpoint/2010/main" val="1761765302"/>
       </p:ext>
     </p:extLst>
   </p:cSld>
@@ -953,7 +953,7 @@
           <p:cNvPr id="2" name="标题 1">
             <a:extLst>
               <a:ext uri="{FF2B5EF4-FFF2-40B4-BE49-F238E27FC236}">
-                <a16:creationId xmlns:a16="http://schemas.microsoft.com/office/drawing/2014/main" id="{A49E4FA4-55C4-B8A9-F3C2-630B637FDA60}"/>
+                <a16:creationId xmlns:a16="http://schemas.microsoft.com/office/drawing/2014/main" id="{849908A7-1AA1-3B7D-9DB2-047D6572188D}"/>
               </a:ext>
             </a:extLst>
           </p:cNvPr>
@@ -990,7 +990,7 @@
           <p:cNvPr id="3" name="文本占位符 2">
             <a:extLst>
               <a:ext uri="{FF2B5EF4-FFF2-40B4-BE49-F238E27FC236}">
-                <a16:creationId xmlns:a16="http://schemas.microsoft.com/office/drawing/2014/main" id="{8F56B84E-48C3-FF75-2A4B-8B2CC138F88A}"/>
+                <a16:creationId xmlns:a16="http://schemas.microsoft.com/office/drawing/2014/main" id="{9D14568B-B123-2CBA-A531-75C1F2AC97E7}"/>
               </a:ext>
             </a:extLst>
           </p:cNvPr>
@@ -1115,7 +1115,7 @@
           <p:cNvPr id="4" name="日期占位符 3">
             <a:extLst>
               <a:ext uri="{FF2B5EF4-FFF2-40B4-BE49-F238E27FC236}">
-                <a16:creationId xmlns:a16="http://schemas.microsoft.com/office/drawing/2014/main" id="{5969A591-5462-DA2F-0D0A-E5951E085105}"/>
+                <a16:creationId xmlns:a16="http://schemas.microsoft.com/office/drawing/2014/main" id="{02003ADD-60BA-69AC-69F3-17729729B296}"/>
               </a:ext>
             </a:extLst>
           </p:cNvPr>
@@ -1131,7 +1131,7 @@
           <a:bodyPr/>
           <a:lstStyle/>
           <a:p>
-            <a:fld id="{CDB68AF0-995A-477B-90B4-7D17E763F29B}" type="datetimeFigureOut">
+            <a:fld id="{6EB9827E-A218-4213-8252-430107CA8D04}" type="datetimeFigureOut">
               <a:rPr lang="zh-CN" altLang="en-US" smtClean="0"/>
               <a:t>2024/3/10</a:t>
             </a:fld>
@@ -1144,7 +1144,7 @@
           <p:cNvPr id="5" name="页脚占位符 4">
             <a:extLst>
               <a:ext uri="{FF2B5EF4-FFF2-40B4-BE49-F238E27FC236}">
-                <a16:creationId xmlns:a16="http://schemas.microsoft.com/office/drawing/2014/main" id="{292A19A2-9C75-4079-979A-BE637CF518A2}"/>
+                <a16:creationId xmlns:a16="http://schemas.microsoft.com/office/drawing/2014/main" id="{128144F6-1355-215F-2906-3CFB2FC55687}"/>
               </a:ext>
             </a:extLst>
           </p:cNvPr>
@@ -1169,7 +1169,7 @@
           <p:cNvPr id="6" name="灯片编号占位符 5">
             <a:extLst>
               <a:ext uri="{FF2B5EF4-FFF2-40B4-BE49-F238E27FC236}">
-                <a16:creationId xmlns:a16="http://schemas.microsoft.com/office/drawing/2014/main" id="{EE81F320-C940-2C58-3C83-578449D5DC53}"/>
+                <a16:creationId xmlns:a16="http://schemas.microsoft.com/office/drawing/2014/main" id="{E866F9B0-A12C-61C8-CBF0-1FAD4E43DFE7}"/>
               </a:ext>
             </a:extLst>
           </p:cNvPr>
@@ -1185,7 +1185,7 @@
           <a:bodyPr/>
           <a:lstStyle/>
           <a:p>
-            <a:fld id="{32ED19B0-9028-47E8-8C92-5D23C6ABA781}" type="slidenum">
+            <a:fld id="{E3D9FE0E-F77D-4CD8-A3CF-4DED79A8E053}" type="slidenum">
               <a:rPr lang="zh-CN" altLang="en-US" smtClean="0"/>
               <a:t>‹#›</a:t>
             </a:fld>
@@ -1196,7 +1196,7 @@
     </p:spTree>
     <p:extLst>
       <p:ext uri="{BB962C8B-B14F-4D97-AF65-F5344CB8AC3E}">
-        <p14:creationId xmlns:p14="http://schemas.microsoft.com/office/powerpoint/2010/main" val="3221279175"/>
+        <p14:creationId xmlns:p14="http://schemas.microsoft.com/office/powerpoint/2010/main" val="3589636885"/>
       </p:ext>
     </p:extLst>
   </p:cSld>
@@ -1228,7 +1228,7 @@
           <p:cNvPr id="2" name="标题 1">
             <a:extLst>
               <a:ext uri="{FF2B5EF4-FFF2-40B4-BE49-F238E27FC236}">
-                <a16:creationId xmlns:a16="http://schemas.microsoft.com/office/drawing/2014/main" id="{1C0E76D6-3DE1-53D4-8ACF-A2E2AF51A192}"/>
+                <a16:creationId xmlns:a16="http://schemas.microsoft.com/office/drawing/2014/main" id="{B3B984C9-3BA2-2865-620C-AE640DCA7D54}"/>
               </a:ext>
             </a:extLst>
           </p:cNvPr>
@@ -1256,7 +1256,7 @@
           <p:cNvPr id="3" name="内容占位符 2">
             <a:extLst>
               <a:ext uri="{FF2B5EF4-FFF2-40B4-BE49-F238E27FC236}">
-                <a16:creationId xmlns:a16="http://schemas.microsoft.com/office/drawing/2014/main" id="{232E220F-283B-F6BB-608A-A29AA33C0B60}"/>
+                <a16:creationId xmlns:a16="http://schemas.microsoft.com/office/drawing/2014/main" id="{5E9CC28F-BB93-C33C-1C05-B6AD22B24A88}"/>
               </a:ext>
             </a:extLst>
           </p:cNvPr>
@@ -1318,7 +1318,7 @@
           <p:cNvPr id="4" name="内容占位符 3">
             <a:extLst>
               <a:ext uri="{FF2B5EF4-FFF2-40B4-BE49-F238E27FC236}">
-                <a16:creationId xmlns:a16="http://schemas.microsoft.com/office/drawing/2014/main" id="{869A2B41-C3C1-8217-B5D8-FDFBDC70E36D}"/>
+                <a16:creationId xmlns:a16="http://schemas.microsoft.com/office/drawing/2014/main" id="{30E3DD51-5BEE-99C2-B868-E004B64DCBF6}"/>
               </a:ext>
             </a:extLst>
           </p:cNvPr>
@@ -1380,7 +1380,7 @@
           <p:cNvPr id="5" name="日期占位符 4">
             <a:extLst>
               <a:ext uri="{FF2B5EF4-FFF2-40B4-BE49-F238E27FC236}">
-                <a16:creationId xmlns:a16="http://schemas.microsoft.com/office/drawing/2014/main" id="{EB038FBD-9444-C133-92F1-CC0356668755}"/>
+                <a16:creationId xmlns:a16="http://schemas.microsoft.com/office/drawing/2014/main" id="{64E657FA-678A-AD93-F9D5-D3CC96D7BB9E}"/>
               </a:ext>
             </a:extLst>
           </p:cNvPr>
@@ -1396,7 +1396,7 @@
           <a:bodyPr/>
           <a:lstStyle/>
           <a:p>
-            <a:fld id="{CDB68AF0-995A-477B-90B4-7D17E763F29B}" type="datetimeFigureOut">
+            <a:fld id="{6EB9827E-A218-4213-8252-430107CA8D04}" type="datetimeFigureOut">
               <a:rPr lang="zh-CN" altLang="en-US" smtClean="0"/>
               <a:t>2024/3/10</a:t>
             </a:fld>
@@ -1409,7 +1409,7 @@
           <p:cNvPr id="6" name="页脚占位符 5">
             <a:extLst>
               <a:ext uri="{FF2B5EF4-FFF2-40B4-BE49-F238E27FC236}">
-                <a16:creationId xmlns:a16="http://schemas.microsoft.com/office/drawing/2014/main" id="{6100F4DB-4FAC-6DA6-7333-68906D80ED37}"/>
+                <a16:creationId xmlns:a16="http://schemas.microsoft.com/office/drawing/2014/main" id="{A0365359-413E-F956-3498-F232B287A52C}"/>
               </a:ext>
             </a:extLst>
           </p:cNvPr>
@@ -1434,7 +1434,7 @@
           <p:cNvPr id="7" name="灯片编号占位符 6">
             <a:extLst>
               <a:ext uri="{FF2B5EF4-FFF2-40B4-BE49-F238E27FC236}">
-                <a16:creationId xmlns:a16="http://schemas.microsoft.com/office/drawing/2014/main" id="{AFE24C71-A948-E983-2F4B-8EB783B529BE}"/>
+                <a16:creationId xmlns:a16="http://schemas.microsoft.com/office/drawing/2014/main" id="{67F8BBE4-6AA0-C4F1-1CDD-2B4FA88C86B9}"/>
               </a:ext>
             </a:extLst>
           </p:cNvPr>
@@ -1450,7 +1450,7 @@
           <a:bodyPr/>
           <a:lstStyle/>
           <a:p>
-            <a:fld id="{32ED19B0-9028-47E8-8C92-5D23C6ABA781}" type="slidenum">
+            <a:fld id="{E3D9FE0E-F77D-4CD8-A3CF-4DED79A8E053}" type="slidenum">
               <a:rPr lang="zh-CN" altLang="en-US" smtClean="0"/>
               <a:t>‹#›</a:t>
             </a:fld>
@@ -1461,7 +1461,7 @@
     </p:spTree>
     <p:extLst>
       <p:ext uri="{BB962C8B-B14F-4D97-AF65-F5344CB8AC3E}">
-        <p14:creationId xmlns:p14="http://schemas.microsoft.com/office/powerpoint/2010/main" val="4121450874"/>
+        <p14:creationId xmlns:p14="http://schemas.microsoft.com/office/powerpoint/2010/main" val="3213732706"/>
       </p:ext>
     </p:extLst>
   </p:cSld>
@@ -1493,7 +1493,7 @@
           <p:cNvPr id="2" name="标题 1">
             <a:extLst>
               <a:ext uri="{FF2B5EF4-FFF2-40B4-BE49-F238E27FC236}">
-                <a16:creationId xmlns:a16="http://schemas.microsoft.com/office/drawing/2014/main" id="{63B268B6-B4D1-EF92-1C35-B1F330484DC5}"/>
+                <a16:creationId xmlns:a16="http://schemas.microsoft.com/office/drawing/2014/main" id="{C53716D3-E6E2-79F7-4C32-6CF56F4C64EC}"/>
               </a:ext>
             </a:extLst>
           </p:cNvPr>
@@ -1526,7 +1526,7 @@
           <p:cNvPr id="3" name="文本占位符 2">
             <a:extLst>
               <a:ext uri="{FF2B5EF4-FFF2-40B4-BE49-F238E27FC236}">
-                <a16:creationId xmlns:a16="http://schemas.microsoft.com/office/drawing/2014/main" id="{B38D1879-C6C5-8D3C-7B1E-2511DD3E2725}"/>
+                <a16:creationId xmlns:a16="http://schemas.microsoft.com/office/drawing/2014/main" id="{CD8307EB-72C1-E8FB-4C93-7B7CF9EA3029}"/>
               </a:ext>
             </a:extLst>
           </p:cNvPr>
@@ -1597,7 +1597,7 @@
           <p:cNvPr id="4" name="内容占位符 3">
             <a:extLst>
               <a:ext uri="{FF2B5EF4-FFF2-40B4-BE49-F238E27FC236}">
-                <a16:creationId xmlns:a16="http://schemas.microsoft.com/office/drawing/2014/main" id="{1A787829-0B57-2E3E-0AB7-B4CC13C39070}"/>
+                <a16:creationId xmlns:a16="http://schemas.microsoft.com/office/drawing/2014/main" id="{D323DD47-B020-8704-092D-AC747F634301}"/>
               </a:ext>
             </a:extLst>
           </p:cNvPr>
@@ -1659,7 +1659,7 @@
           <p:cNvPr id="5" name="文本占位符 4">
             <a:extLst>
               <a:ext uri="{FF2B5EF4-FFF2-40B4-BE49-F238E27FC236}">
-                <a16:creationId xmlns:a16="http://schemas.microsoft.com/office/drawing/2014/main" id="{8A31A9BD-0877-3118-C177-C411937BFD3B}"/>
+                <a16:creationId xmlns:a16="http://schemas.microsoft.com/office/drawing/2014/main" id="{67CC4D47-0F58-97C6-625C-4F9A2ED1B784}"/>
               </a:ext>
             </a:extLst>
           </p:cNvPr>
@@ -1730,7 +1730,7 @@
           <p:cNvPr id="6" name="内容占位符 5">
             <a:extLst>
               <a:ext uri="{FF2B5EF4-FFF2-40B4-BE49-F238E27FC236}">
-                <a16:creationId xmlns:a16="http://schemas.microsoft.com/office/drawing/2014/main" id="{FB790FAD-3435-90BA-7C42-EEEC3B70091A}"/>
+                <a16:creationId xmlns:a16="http://schemas.microsoft.com/office/drawing/2014/main" id="{AEE6B592-D40F-56AA-8CE5-A0B96794C15C}"/>
               </a:ext>
             </a:extLst>
           </p:cNvPr>
@@ -1792,7 +1792,7 @@
           <p:cNvPr id="7" name="日期占位符 6">
             <a:extLst>
               <a:ext uri="{FF2B5EF4-FFF2-40B4-BE49-F238E27FC236}">
-                <a16:creationId xmlns:a16="http://schemas.microsoft.com/office/drawing/2014/main" id="{4CF3AA96-4782-2100-3841-A2A30EFEC388}"/>
+                <a16:creationId xmlns:a16="http://schemas.microsoft.com/office/drawing/2014/main" id="{FAF482CC-963E-052E-D4CB-DFED3717D472}"/>
               </a:ext>
             </a:extLst>
           </p:cNvPr>
@@ -1808,7 +1808,7 @@
           <a:bodyPr/>
           <a:lstStyle/>
           <a:p>
-            <a:fld id="{CDB68AF0-995A-477B-90B4-7D17E763F29B}" type="datetimeFigureOut">
+            <a:fld id="{6EB9827E-A218-4213-8252-430107CA8D04}" type="datetimeFigureOut">
               <a:rPr lang="zh-CN" altLang="en-US" smtClean="0"/>
               <a:t>2024/3/10</a:t>
             </a:fld>
@@ -1821,7 +1821,7 @@
           <p:cNvPr id="8" name="页脚占位符 7">
             <a:extLst>
               <a:ext uri="{FF2B5EF4-FFF2-40B4-BE49-F238E27FC236}">
-                <a16:creationId xmlns:a16="http://schemas.microsoft.com/office/drawing/2014/main" id="{F310011D-207D-9B6C-1097-C8A1F4AB5B3C}"/>
+                <a16:creationId xmlns:a16="http://schemas.microsoft.com/office/drawing/2014/main" id="{27B719B2-E7F8-0862-1D6E-52FA93255321}"/>
               </a:ext>
             </a:extLst>
           </p:cNvPr>
@@ -1846,7 +1846,7 @@
           <p:cNvPr id="9" name="灯片编号占位符 8">
             <a:extLst>
               <a:ext uri="{FF2B5EF4-FFF2-40B4-BE49-F238E27FC236}">
-                <a16:creationId xmlns:a16="http://schemas.microsoft.com/office/drawing/2014/main" id="{92F09DBC-B284-5A29-68A1-88183D3321C8}"/>
+                <a16:creationId xmlns:a16="http://schemas.microsoft.com/office/drawing/2014/main" id="{16CE9499-4786-1C27-F1AE-0D81B58555D8}"/>
               </a:ext>
             </a:extLst>
           </p:cNvPr>
@@ -1862,7 +1862,7 @@
           <a:bodyPr/>
           <a:lstStyle/>
           <a:p>
-            <a:fld id="{32ED19B0-9028-47E8-8C92-5D23C6ABA781}" type="slidenum">
+            <a:fld id="{E3D9FE0E-F77D-4CD8-A3CF-4DED79A8E053}" type="slidenum">
               <a:rPr lang="zh-CN" altLang="en-US" smtClean="0"/>
               <a:t>‹#›</a:t>
             </a:fld>
@@ -1873,7 +1873,7 @@
     </p:spTree>
     <p:extLst>
       <p:ext uri="{BB962C8B-B14F-4D97-AF65-F5344CB8AC3E}">
-        <p14:creationId xmlns:p14="http://schemas.microsoft.com/office/powerpoint/2010/main" val="3834838161"/>
+        <p14:creationId xmlns:p14="http://schemas.microsoft.com/office/powerpoint/2010/main" val="3351628518"/>
       </p:ext>
     </p:extLst>
   </p:cSld>
@@ -1905,7 +1905,7 @@
           <p:cNvPr id="2" name="标题 1">
             <a:extLst>
               <a:ext uri="{FF2B5EF4-FFF2-40B4-BE49-F238E27FC236}">
-                <a16:creationId xmlns:a16="http://schemas.microsoft.com/office/drawing/2014/main" id="{3AF89766-76C9-7197-3A96-8ADFF75A395D}"/>
+                <a16:creationId xmlns:a16="http://schemas.microsoft.com/office/drawing/2014/main" id="{3879F90C-698A-ADFA-9E96-AE0B4943458B}"/>
               </a:ext>
             </a:extLst>
           </p:cNvPr>
@@ -1933,7 +1933,7 @@
           <p:cNvPr id="3" name="日期占位符 2">
             <a:extLst>
               <a:ext uri="{FF2B5EF4-FFF2-40B4-BE49-F238E27FC236}">
-                <a16:creationId xmlns:a16="http://schemas.microsoft.com/office/drawing/2014/main" id="{F8EAAE35-AC1F-9A17-2A5C-E8C958EAE16B}"/>
+                <a16:creationId xmlns:a16="http://schemas.microsoft.com/office/drawing/2014/main" id="{EBD6E060-7169-09E4-D018-03C4AD73F5B2}"/>
               </a:ext>
             </a:extLst>
           </p:cNvPr>
@@ -1949,7 +1949,7 @@
           <a:bodyPr/>
           <a:lstStyle/>
           <a:p>
-            <a:fld id="{CDB68AF0-995A-477B-90B4-7D17E763F29B}" type="datetimeFigureOut">
+            <a:fld id="{6EB9827E-A218-4213-8252-430107CA8D04}" type="datetimeFigureOut">
               <a:rPr lang="zh-CN" altLang="en-US" smtClean="0"/>
               <a:t>2024/3/10</a:t>
             </a:fld>
@@ -1962,7 +1962,7 @@
           <p:cNvPr id="4" name="页脚占位符 3">
             <a:extLst>
               <a:ext uri="{FF2B5EF4-FFF2-40B4-BE49-F238E27FC236}">
-                <a16:creationId xmlns:a16="http://schemas.microsoft.com/office/drawing/2014/main" id="{EAAD0798-78FD-FFE0-3174-0CB88F392691}"/>
+                <a16:creationId xmlns:a16="http://schemas.microsoft.com/office/drawing/2014/main" id="{013919F1-5458-077F-CA33-72655B9593EE}"/>
               </a:ext>
             </a:extLst>
           </p:cNvPr>
@@ -1987,7 +1987,7 @@
           <p:cNvPr id="5" name="灯片编号占位符 4">
             <a:extLst>
               <a:ext uri="{FF2B5EF4-FFF2-40B4-BE49-F238E27FC236}">
-                <a16:creationId xmlns:a16="http://schemas.microsoft.com/office/drawing/2014/main" id="{6DC870E5-E217-3018-75C2-C7C9ED265C0F}"/>
+                <a16:creationId xmlns:a16="http://schemas.microsoft.com/office/drawing/2014/main" id="{6897D48A-48B8-7D75-8858-856B192E88E9}"/>
               </a:ext>
             </a:extLst>
           </p:cNvPr>
@@ -2003,7 +2003,7 @@
           <a:bodyPr/>
           <a:lstStyle/>
           <a:p>
-            <a:fld id="{32ED19B0-9028-47E8-8C92-5D23C6ABA781}" type="slidenum">
+            <a:fld id="{E3D9FE0E-F77D-4CD8-A3CF-4DED79A8E053}" type="slidenum">
               <a:rPr lang="zh-CN" altLang="en-US" smtClean="0"/>
               <a:t>‹#›</a:t>
             </a:fld>
@@ -2014,7 +2014,7 @@
     </p:spTree>
     <p:extLst>
       <p:ext uri="{BB962C8B-B14F-4D97-AF65-F5344CB8AC3E}">
-        <p14:creationId xmlns:p14="http://schemas.microsoft.com/office/powerpoint/2010/main" val="265441887"/>
+        <p14:creationId xmlns:p14="http://schemas.microsoft.com/office/powerpoint/2010/main" val="3296802064"/>
       </p:ext>
     </p:extLst>
   </p:cSld>
@@ -2046,7 +2046,7 @@
           <p:cNvPr id="2" name="日期占位符 1">
             <a:extLst>
               <a:ext uri="{FF2B5EF4-FFF2-40B4-BE49-F238E27FC236}">
-                <a16:creationId xmlns:a16="http://schemas.microsoft.com/office/drawing/2014/main" id="{0B52807D-985C-46BA-3C9F-AF077B19E3BC}"/>
+                <a16:creationId xmlns:a16="http://schemas.microsoft.com/office/drawing/2014/main" id="{DACCB761-DEC4-B439-64AF-EB7B98760266}"/>
               </a:ext>
             </a:extLst>
           </p:cNvPr>
@@ -2062,7 +2062,7 @@
           <a:bodyPr/>
           <a:lstStyle/>
           <a:p>
-            <a:fld id="{CDB68AF0-995A-477B-90B4-7D17E763F29B}" type="datetimeFigureOut">
+            <a:fld id="{6EB9827E-A218-4213-8252-430107CA8D04}" type="datetimeFigureOut">
               <a:rPr lang="zh-CN" altLang="en-US" smtClean="0"/>
               <a:t>2024/3/10</a:t>
             </a:fld>
@@ -2075,7 +2075,7 @@
           <p:cNvPr id="3" name="页脚占位符 2">
             <a:extLst>
               <a:ext uri="{FF2B5EF4-FFF2-40B4-BE49-F238E27FC236}">
-                <a16:creationId xmlns:a16="http://schemas.microsoft.com/office/drawing/2014/main" id="{83A06F8E-0DD2-C596-DEDE-1352F5249165}"/>
+                <a16:creationId xmlns:a16="http://schemas.microsoft.com/office/drawing/2014/main" id="{9A83D08F-6175-203E-8A8D-9B883C11BEC4}"/>
               </a:ext>
             </a:extLst>
           </p:cNvPr>
@@ -2100,7 +2100,7 @@
           <p:cNvPr id="4" name="灯片编号占位符 3">
             <a:extLst>
               <a:ext uri="{FF2B5EF4-FFF2-40B4-BE49-F238E27FC236}">
-                <a16:creationId xmlns:a16="http://schemas.microsoft.com/office/drawing/2014/main" id="{9CAED251-1A51-A43F-6145-1FF470D3B3E4}"/>
+                <a16:creationId xmlns:a16="http://schemas.microsoft.com/office/drawing/2014/main" id="{DCD50027-550E-72F8-808B-1CBE6D6DB0E0}"/>
               </a:ext>
             </a:extLst>
           </p:cNvPr>
@@ -2116,7 +2116,7 @@
           <a:bodyPr/>
           <a:lstStyle/>
           <a:p>
-            <a:fld id="{32ED19B0-9028-47E8-8C92-5D23C6ABA781}" type="slidenum">
+            <a:fld id="{E3D9FE0E-F77D-4CD8-A3CF-4DED79A8E053}" type="slidenum">
               <a:rPr lang="zh-CN" altLang="en-US" smtClean="0"/>
               <a:t>‹#›</a:t>
             </a:fld>
@@ -2127,7 +2127,7 @@
     </p:spTree>
     <p:extLst>
       <p:ext uri="{BB962C8B-B14F-4D97-AF65-F5344CB8AC3E}">
-        <p14:creationId xmlns:p14="http://schemas.microsoft.com/office/powerpoint/2010/main" val="2336136557"/>
+        <p14:creationId xmlns:p14="http://schemas.microsoft.com/office/powerpoint/2010/main" val="3292686586"/>
       </p:ext>
     </p:extLst>
   </p:cSld>
@@ -2159,7 +2159,7 @@
           <p:cNvPr id="2" name="标题 1">
             <a:extLst>
               <a:ext uri="{FF2B5EF4-FFF2-40B4-BE49-F238E27FC236}">
-                <a16:creationId xmlns:a16="http://schemas.microsoft.com/office/drawing/2014/main" id="{6AABB21F-C7BA-A597-F161-04468271FA20}"/>
+                <a16:creationId xmlns:a16="http://schemas.microsoft.com/office/drawing/2014/main" id="{7E65EE99-A06C-EF19-AE35-93E8FFADCF9A}"/>
               </a:ext>
             </a:extLst>
           </p:cNvPr>
@@ -2196,7 +2196,7 @@
           <p:cNvPr id="3" name="内容占位符 2">
             <a:extLst>
               <a:ext uri="{FF2B5EF4-FFF2-40B4-BE49-F238E27FC236}">
-                <a16:creationId xmlns:a16="http://schemas.microsoft.com/office/drawing/2014/main" id="{0D7EB531-5EAA-37C0-C99A-F417BE5C263A}"/>
+                <a16:creationId xmlns:a16="http://schemas.microsoft.com/office/drawing/2014/main" id="{1ECA7D67-E2CA-EBA4-2D1E-1F26EB01109A}"/>
               </a:ext>
             </a:extLst>
           </p:cNvPr>
@@ -2286,7 +2286,7 @@
           <p:cNvPr id="4" name="文本占位符 3">
             <a:extLst>
               <a:ext uri="{FF2B5EF4-FFF2-40B4-BE49-F238E27FC236}">
-                <a16:creationId xmlns:a16="http://schemas.microsoft.com/office/drawing/2014/main" id="{20B0C9DA-10A3-7BC0-CBA9-AACAFF2458D5}"/>
+                <a16:creationId xmlns:a16="http://schemas.microsoft.com/office/drawing/2014/main" id="{82CDB5C1-0155-7585-93FA-DA641C5BC2B9}"/>
               </a:ext>
             </a:extLst>
           </p:cNvPr>
@@ -2357,7 +2357,7 @@
           <p:cNvPr id="5" name="日期占位符 4">
             <a:extLst>
               <a:ext uri="{FF2B5EF4-FFF2-40B4-BE49-F238E27FC236}">
-                <a16:creationId xmlns:a16="http://schemas.microsoft.com/office/drawing/2014/main" id="{A6971D89-9767-2AE7-6804-7831C5B4C8F8}"/>
+                <a16:creationId xmlns:a16="http://schemas.microsoft.com/office/drawing/2014/main" id="{98BD75D6-BE62-74FA-2750-4DD32E23A967}"/>
               </a:ext>
             </a:extLst>
           </p:cNvPr>
@@ -2373,7 +2373,7 @@
           <a:bodyPr/>
           <a:lstStyle/>
           <a:p>
-            <a:fld id="{CDB68AF0-995A-477B-90B4-7D17E763F29B}" type="datetimeFigureOut">
+            <a:fld id="{6EB9827E-A218-4213-8252-430107CA8D04}" type="datetimeFigureOut">
               <a:rPr lang="zh-CN" altLang="en-US" smtClean="0"/>
               <a:t>2024/3/10</a:t>
             </a:fld>
@@ -2386,7 +2386,7 @@
           <p:cNvPr id="6" name="页脚占位符 5">
             <a:extLst>
               <a:ext uri="{FF2B5EF4-FFF2-40B4-BE49-F238E27FC236}">
-                <a16:creationId xmlns:a16="http://schemas.microsoft.com/office/drawing/2014/main" id="{35105D44-55B0-CC0E-3F3E-C01649575419}"/>
+                <a16:creationId xmlns:a16="http://schemas.microsoft.com/office/drawing/2014/main" id="{6C66132C-AD13-8D66-FA4A-F8231169458A}"/>
               </a:ext>
             </a:extLst>
           </p:cNvPr>
@@ -2411,7 +2411,7 @@
           <p:cNvPr id="7" name="灯片编号占位符 6">
             <a:extLst>
               <a:ext uri="{FF2B5EF4-FFF2-40B4-BE49-F238E27FC236}">
-                <a16:creationId xmlns:a16="http://schemas.microsoft.com/office/drawing/2014/main" id="{2E79F343-9BD3-44EE-CC98-FEC360814C78}"/>
+                <a16:creationId xmlns:a16="http://schemas.microsoft.com/office/drawing/2014/main" id="{DDB5E412-251D-0BB1-891A-B1389775B10D}"/>
               </a:ext>
             </a:extLst>
           </p:cNvPr>
@@ -2427,7 +2427,7 @@
           <a:bodyPr/>
           <a:lstStyle/>
           <a:p>
-            <a:fld id="{32ED19B0-9028-47E8-8C92-5D23C6ABA781}" type="slidenum">
+            <a:fld id="{E3D9FE0E-F77D-4CD8-A3CF-4DED79A8E053}" type="slidenum">
               <a:rPr lang="zh-CN" altLang="en-US" smtClean="0"/>
               <a:t>‹#›</a:t>
             </a:fld>
@@ -2438,7 +2438,7 @@
     </p:spTree>
     <p:extLst>
       <p:ext uri="{BB962C8B-B14F-4D97-AF65-F5344CB8AC3E}">
-        <p14:creationId xmlns:p14="http://schemas.microsoft.com/office/powerpoint/2010/main" val="566256972"/>
+        <p14:creationId xmlns:p14="http://schemas.microsoft.com/office/powerpoint/2010/main" val="1656720571"/>
       </p:ext>
     </p:extLst>
   </p:cSld>
@@ -2470,7 +2470,7 @@
           <p:cNvPr id="2" name="标题 1">
             <a:extLst>
               <a:ext uri="{FF2B5EF4-FFF2-40B4-BE49-F238E27FC236}">
-                <a16:creationId xmlns:a16="http://schemas.microsoft.com/office/drawing/2014/main" id="{9C3E3E55-8D9B-3B22-2CE3-8233DC51B2B4}"/>
+                <a16:creationId xmlns:a16="http://schemas.microsoft.com/office/drawing/2014/main" id="{37EAF1B8-A858-64AB-E7E5-158B7C1ED3BD}"/>
               </a:ext>
             </a:extLst>
           </p:cNvPr>
@@ -2507,7 +2507,7 @@
           <p:cNvPr id="3" name="图片占位符 2">
             <a:extLst>
               <a:ext uri="{FF2B5EF4-FFF2-40B4-BE49-F238E27FC236}">
-                <a16:creationId xmlns:a16="http://schemas.microsoft.com/office/drawing/2014/main" id="{4085FC02-792C-B748-96DF-DD43BD0915D2}"/>
+                <a16:creationId xmlns:a16="http://schemas.microsoft.com/office/drawing/2014/main" id="{2FF68E5E-607B-18C6-80BD-E090386CE9F0}"/>
               </a:ext>
             </a:extLst>
           </p:cNvPr>
@@ -2574,7 +2574,7 @@
           <p:cNvPr id="4" name="文本占位符 3">
             <a:extLst>
               <a:ext uri="{FF2B5EF4-FFF2-40B4-BE49-F238E27FC236}">
-                <a16:creationId xmlns:a16="http://schemas.microsoft.com/office/drawing/2014/main" id="{DF7AED41-D003-2DB9-65C1-3F12CF558B5C}"/>
+                <a16:creationId xmlns:a16="http://schemas.microsoft.com/office/drawing/2014/main" id="{45F7A6B4-A91D-B959-688F-31A6E811FB74}"/>
               </a:ext>
             </a:extLst>
           </p:cNvPr>
@@ -2645,7 +2645,7 @@
           <p:cNvPr id="5" name="日期占位符 4">
             <a:extLst>
               <a:ext uri="{FF2B5EF4-FFF2-40B4-BE49-F238E27FC236}">
-                <a16:creationId xmlns:a16="http://schemas.microsoft.com/office/drawing/2014/main" id="{011EBCF7-2556-4E3D-8B96-8009602812C8}"/>
+                <a16:creationId xmlns:a16="http://schemas.microsoft.com/office/drawing/2014/main" id="{2BEF9C03-218B-341A-8771-40EFACE8C29B}"/>
               </a:ext>
             </a:extLst>
           </p:cNvPr>
@@ -2661,7 +2661,7 @@
           <a:bodyPr/>
           <a:lstStyle/>
           <a:p>
-            <a:fld id="{CDB68AF0-995A-477B-90B4-7D17E763F29B}" type="datetimeFigureOut">
+            <a:fld id="{6EB9827E-A218-4213-8252-430107CA8D04}" type="datetimeFigureOut">
               <a:rPr lang="zh-CN" altLang="en-US" smtClean="0"/>
               <a:t>2024/3/10</a:t>
             </a:fld>
@@ -2674,7 +2674,7 @@
           <p:cNvPr id="6" name="页脚占位符 5">
             <a:extLst>
               <a:ext uri="{FF2B5EF4-FFF2-40B4-BE49-F238E27FC236}">
-                <a16:creationId xmlns:a16="http://schemas.microsoft.com/office/drawing/2014/main" id="{2B025262-D36B-D1C7-4658-FF22662D8B66}"/>
+                <a16:creationId xmlns:a16="http://schemas.microsoft.com/office/drawing/2014/main" id="{F727E8D8-0D29-4860-E428-C58DA8938313}"/>
               </a:ext>
             </a:extLst>
           </p:cNvPr>
@@ -2699,7 +2699,7 @@
           <p:cNvPr id="7" name="灯片编号占位符 6">
             <a:extLst>
               <a:ext uri="{FF2B5EF4-FFF2-40B4-BE49-F238E27FC236}">
-                <a16:creationId xmlns:a16="http://schemas.microsoft.com/office/drawing/2014/main" id="{3537A9FE-D2E0-3AD3-9BBF-8D4BA38EF2F6}"/>
+                <a16:creationId xmlns:a16="http://schemas.microsoft.com/office/drawing/2014/main" id="{C1133F1C-BF8D-A0C8-FFE2-6F284F0D04CF}"/>
               </a:ext>
             </a:extLst>
           </p:cNvPr>
@@ -2715,7 +2715,7 @@
           <a:bodyPr/>
           <a:lstStyle/>
           <a:p>
-            <a:fld id="{32ED19B0-9028-47E8-8C92-5D23C6ABA781}" type="slidenum">
+            <a:fld id="{E3D9FE0E-F77D-4CD8-A3CF-4DED79A8E053}" type="slidenum">
               <a:rPr lang="zh-CN" altLang="en-US" smtClean="0"/>
               <a:t>‹#›</a:t>
             </a:fld>
@@ -2726,7 +2726,7 @@
     </p:spTree>
     <p:extLst>
       <p:ext uri="{BB962C8B-B14F-4D97-AF65-F5344CB8AC3E}">
-        <p14:creationId xmlns:p14="http://schemas.microsoft.com/office/powerpoint/2010/main" val="2000015286"/>
+        <p14:creationId xmlns:p14="http://schemas.microsoft.com/office/powerpoint/2010/main" val="2040913543"/>
       </p:ext>
     </p:extLst>
   </p:cSld>
@@ -2763,7 +2763,7 @@
           <p:cNvPr id="2" name="标题占位符 1">
             <a:extLst>
               <a:ext uri="{FF2B5EF4-FFF2-40B4-BE49-F238E27FC236}">
-                <a16:creationId xmlns:a16="http://schemas.microsoft.com/office/drawing/2014/main" id="{FF34F8FE-0617-4E19-BB46-5CAAEEB71874}"/>
+                <a16:creationId xmlns:a16="http://schemas.microsoft.com/office/drawing/2014/main" id="{0418CB02-856D-0E5A-C543-AF246DF43FB3}"/>
               </a:ext>
             </a:extLst>
           </p:cNvPr>
@@ -2801,7 +2801,7 @@
           <p:cNvPr id="3" name="文本占位符 2">
             <a:extLst>
               <a:ext uri="{FF2B5EF4-FFF2-40B4-BE49-F238E27FC236}">
-                <a16:creationId xmlns:a16="http://schemas.microsoft.com/office/drawing/2014/main" id="{678733B0-2BDA-69DF-8E60-44BFEB34394A}"/>
+                <a16:creationId xmlns:a16="http://schemas.microsoft.com/office/drawing/2014/main" id="{D6AADE1E-FA98-B517-A8EF-F1ED82A58D52}"/>
               </a:ext>
             </a:extLst>
           </p:cNvPr>
@@ -2868,7 +2868,7 @@
           <p:cNvPr id="4" name="日期占位符 3">
             <a:extLst>
               <a:ext uri="{FF2B5EF4-FFF2-40B4-BE49-F238E27FC236}">
-                <a16:creationId xmlns:a16="http://schemas.microsoft.com/office/drawing/2014/main" id="{1719E196-1786-74AC-AD2C-B3BC2C2DA47F}"/>
+                <a16:creationId xmlns:a16="http://schemas.microsoft.com/office/drawing/2014/main" id="{4BD7429A-91E3-54D9-7C6A-8505A63FB4D9}"/>
               </a:ext>
             </a:extLst>
           </p:cNvPr>
@@ -2902,7 +2902,7 @@
             </a:lvl1pPr>
           </a:lstStyle>
           <a:p>
-            <a:fld id="{CDB68AF0-995A-477B-90B4-7D17E763F29B}" type="datetimeFigureOut">
+            <a:fld id="{6EB9827E-A218-4213-8252-430107CA8D04}" type="datetimeFigureOut">
               <a:rPr lang="zh-CN" altLang="en-US" smtClean="0"/>
               <a:t>2024/3/10</a:t>
             </a:fld>
@@ -2915,7 +2915,7 @@
           <p:cNvPr id="5" name="页脚占位符 4">
             <a:extLst>
               <a:ext uri="{FF2B5EF4-FFF2-40B4-BE49-F238E27FC236}">
-                <a16:creationId xmlns:a16="http://schemas.microsoft.com/office/drawing/2014/main" id="{E1878450-6CBE-9D53-E6B9-67C4BF0B45E0}"/>
+                <a16:creationId xmlns:a16="http://schemas.microsoft.com/office/drawing/2014/main" id="{EF952E86-4351-1A83-9719-558C02720D08}"/>
               </a:ext>
             </a:extLst>
           </p:cNvPr>
@@ -2958,7 +2958,7 @@
           <p:cNvPr id="6" name="灯片编号占位符 5">
             <a:extLst>
               <a:ext uri="{FF2B5EF4-FFF2-40B4-BE49-F238E27FC236}">
-                <a16:creationId xmlns:a16="http://schemas.microsoft.com/office/drawing/2014/main" id="{C395AEA7-31BB-5542-AE29-DD41B0959D8B}"/>
+                <a16:creationId xmlns:a16="http://schemas.microsoft.com/office/drawing/2014/main" id="{1534672A-846A-1425-116D-B34D1FDEF765}"/>
               </a:ext>
             </a:extLst>
           </p:cNvPr>
@@ -2992,7 +2992,7 @@
             </a:lvl1pPr>
           </a:lstStyle>
           <a:p>
-            <a:fld id="{32ED19B0-9028-47E8-8C92-5D23C6ABA781}" type="slidenum">
+            <a:fld id="{E3D9FE0E-F77D-4CD8-A3CF-4DED79A8E053}" type="slidenum">
               <a:rPr lang="zh-CN" altLang="en-US" smtClean="0"/>
               <a:t>‹#›</a:t>
             </a:fld>
@@ -3003,7 +3003,7 @@
     </p:spTree>
     <p:extLst>
       <p:ext uri="{BB962C8B-B14F-4D97-AF65-F5344CB8AC3E}">
-        <p14:creationId xmlns:p14="http://schemas.microsoft.com/office/powerpoint/2010/main" val="1293828990"/>
+        <p14:creationId xmlns:p14="http://schemas.microsoft.com/office/powerpoint/2010/main" val="219331833"/>
       </p:ext>
     </p:extLst>
   </p:cSld>
@@ -3323,7 +3323,7 @@
       </p:grpSpPr>
       <p:pic>
         <p:nvPicPr>
-          <p:cNvPr id="540674" name="Picture 2" descr="527"/>
+          <p:cNvPr id="541698" name="Picture 2" descr="528"/>
           <p:cNvPicPr>
             <a:picLocks noChangeAspect="1" noChangeArrowheads="1"/>
           </p:cNvPicPr>
@@ -3375,158 +3375,11 @@
           </a:extLst>
         </p:spPr>
       </p:pic>
-      <p:pic>
-        <p:nvPicPr>
-          <p:cNvPr id="541699" name="Picture 3" descr="527-2"/>
-          <p:cNvPicPr>
-            <a:picLocks noChangeAspect="1" noChangeArrowheads="1"/>
-          </p:cNvPicPr>
-          <p:nvPr/>
-        </p:nvPicPr>
-        <p:blipFill>
-          <a:blip r:embed="rId3">
-            <a:extLst>
-              <a:ext uri="{28A0092B-C50C-407E-A947-70E740481C1C}">
-                <a14:useLocalDpi xmlns:a14="http://schemas.microsoft.com/office/drawing/2010/main" val="0"/>
-              </a:ext>
-            </a:extLst>
-          </a:blip>
-          <a:srcRect/>
-          <a:stretch>
-            <a:fillRect/>
-          </a:stretch>
-        </p:blipFill>
-        <p:spPr bwMode="auto">
-          <a:xfrm>
-            <a:off x="1560513" y="0"/>
-            <a:ext cx="9144000" cy="6858000"/>
-          </a:xfrm>
-          <a:prstGeom prst="rect">
-            <a:avLst/>
-          </a:prstGeom>
-          <a:noFill/>
-          <a:ln>
-            <a:noFill/>
-          </a:ln>
-          <a:effectLst/>
-          <a:extLst>
-            <a:ext uri="{909E8E84-426E-40DD-AFC4-6F175D3DCCD1}">
-              <a14:hiddenFill xmlns:a14="http://schemas.microsoft.com/office/drawing/2010/main">
-                <a:solidFill>
-                  <a:srgbClr val="FFFFFF"/>
-                </a:solidFill>
-              </a14:hiddenFill>
-            </a:ext>
-            <a:ext uri="{91240B29-F687-4F45-9708-019B960494DF}">
-              <a14:hiddenLine xmlns:a14="http://schemas.microsoft.com/office/drawing/2010/main" w="9525">
-                <a:solidFill>
-                  <a:srgbClr val="000000"/>
-                </a:solidFill>
-                <a:miter lim="800000"/>
-                <a:headEnd/>
-                <a:tailEnd/>
-              </a14:hiddenLine>
-            </a:ext>
-            <a:ext uri="{AF507438-7753-43E0-B8FC-AC1667EBCBE1}">
-              <a14:hiddenEffects xmlns:a14="http://schemas.microsoft.com/office/drawing/2010/main">
-                <a:effectLst>
-                  <a:outerShdw dist="35921" dir="2700000" algn="ctr" rotWithShape="0">
-                    <a:srgbClr val="808080"/>
-                  </a:outerShdw>
-                </a:effectLst>
-              </a14:hiddenEffects>
-            </a:ext>
-          </a:extLst>
-        </p:spPr>
-      </p:pic>
     </p:spTree>
   </p:cSld>
   <p:clrMapOvr>
     <a:masterClrMapping/>
   </p:clrMapOvr>
-  <p:timing>
-    <p:tnLst>
-      <p:par>
-        <p:cTn id="1" dur="indefinite" restart="never" nodeType="tmRoot">
-          <p:childTnLst>
-            <p:seq concurrent="1" nextAc="seek">
-              <p:cTn id="2" dur="indefinite" nodeType="mainSeq">
-                <p:childTnLst>
-                  <p:par>
-                    <p:cTn id="3" fill="hold" nodeType="clickPar">
-                      <p:stCondLst>
-                        <p:cond delay="indefinite"/>
-                      </p:stCondLst>
-                      <p:childTnLst>
-                        <p:par>
-                          <p:cTn id="4" fill="hold" nodeType="withGroup">
-                            <p:stCondLst>
-                              <p:cond delay="0"/>
-                            </p:stCondLst>
-                            <p:childTnLst>
-                              <p:par>
-                                <p:cTn id="5" presetID="10" presetClass="entr" presetSubtype="0" fill="hold" nodeType="clickEffect">
-                                  <p:stCondLst>
-                                    <p:cond delay="0"/>
-                                  </p:stCondLst>
-                                  <p:childTnLst>
-                                    <p:set>
-                                      <p:cBhvr>
-                                        <p:cTn id="6" dur="1" fill="hold">
-                                          <p:stCondLst>
-                                            <p:cond delay="0"/>
-                                          </p:stCondLst>
-                                        </p:cTn>
-                                        <p:tgtEl>
-                                          <p:spTgt spid="541699"/>
-                                        </p:tgtEl>
-                                        <p:attrNameLst>
-                                          <p:attrName>style.visibility</p:attrName>
-                                        </p:attrNameLst>
-                                      </p:cBhvr>
-                                      <p:to>
-                                        <p:strVal val="visible"/>
-                                      </p:to>
-                                    </p:set>
-                                    <p:animEffect transition="in" filter="fade">
-                                      <p:cBhvr>
-                                        <p:cTn id="7" dur="500"/>
-                                        <p:tgtEl>
-                                          <p:spTgt spid="541699"/>
-                                        </p:tgtEl>
-                                      </p:cBhvr>
-                                    </p:animEffect>
-                                  </p:childTnLst>
-                                </p:cTn>
-                              </p:par>
-                            </p:childTnLst>
-                          </p:cTn>
-                        </p:par>
-                      </p:childTnLst>
-                    </p:cTn>
-                  </p:par>
-                </p:childTnLst>
-              </p:cTn>
-              <p:prevCondLst>
-                <p:cond evt="onPrev" delay="0">
-                  <p:tgtEl>
-                    <p:sldTgt/>
-                  </p:tgtEl>
-                </p:cond>
-              </p:prevCondLst>
-              <p:nextCondLst>
-                <p:cond evt="onNext" delay="0">
-                  <p:tgtEl>
-                    <p:sldTgt/>
-                  </p:tgtEl>
-                </p:cond>
-              </p:nextCondLst>
-            </p:seq>
-          </p:childTnLst>
-        </p:cTn>
-      </p:par>
-    </p:tnLst>
-  </p:timing>
 </p:sld>
 </file>
 
